--- a/btcTrackr_Presentation.pptx
+++ b/btcTrackr_Presentation.pptx
@@ -119,7 +119,7 @@
   </p:defaultTextStyle>
   <p:extLst>
     <p:ext uri="{EFAFB233-063F-42B5-8137-9DF3F51BA10A}">
-      <p15:sldGuideLst xmlns="" xmlns:p15="http://schemas.microsoft.com/office/powerpoint/2012/main">
+      <p15:sldGuideLst xmlns:p15="http://schemas.microsoft.com/office/powerpoint/2012/main" xmlns="">
         <p15:guide id="1" orient="horz" pos="2174">
           <p15:clr>
             <a:srgbClr val="A4A3A4"/>
@@ -218,7 +218,7 @@
           <a:p>
             <a:fld id="{A4183EB5-CB9F-AD47-9B92-C78F0B93E28B}" type="datetimeFigureOut">
               <a:rPr lang="en-US" smtClean="0"/>
-              <a:t>5/13/14</a:t>
+              <a:t>5/14/14</a:t>
             </a:fld>
             <a:endParaRPr lang="en-US"/>
           </a:p>
@@ -676,7 +676,7 @@
             <a:fld id="{8ACDB3CC-F982-40F9-8DD6-BCC9AFBF44BD}" type="datetime1">
               <a:rPr lang="en-US" smtClean="0"/>
               <a:pPr/>
-              <a:t>5/13/14</a:t>
+              <a:t>5/14/14</a:t>
             </a:fld>
             <a:endParaRPr lang="en-US" dirty="0"/>
           </a:p>
@@ -870,7 +870,7 @@
           <a:p>
             <a:fld id="{68C2560D-EC28-3B41-86E8-18F1CE0113B4}" type="datetimeFigureOut">
               <a:rPr lang="en-US" smtClean="0"/>
-              <a:t>5/13/14</a:t>
+              <a:t>5/14/14</a:t>
             </a:fld>
             <a:endParaRPr lang="en-US"/>
           </a:p>
@@ -1050,7 +1050,7 @@
           <a:p>
             <a:fld id="{68C2560D-EC28-3B41-86E8-18F1CE0113B4}" type="datetimeFigureOut">
               <a:rPr lang="en-US" smtClean="0"/>
-              <a:t>5/13/14</a:t>
+              <a:t>5/14/14</a:t>
             </a:fld>
             <a:endParaRPr lang="en-US"/>
           </a:p>
@@ -1220,7 +1220,7 @@
           <a:p>
             <a:fld id="{68C2560D-EC28-3B41-86E8-18F1CE0113B4}" type="datetimeFigureOut">
               <a:rPr lang="en-US" smtClean="0"/>
-              <a:t>5/13/14</a:t>
+              <a:t>5/14/14</a:t>
             </a:fld>
             <a:endParaRPr lang="en-US"/>
           </a:p>
@@ -1467,7 +1467,7 @@
             <a:fld id="{4A9E7B99-7C3F-4BC3-B7B8-7E1F8C620B24}" type="datetime1">
               <a:rPr lang="en-US" smtClean="0"/>
               <a:pPr/>
-              <a:t>5/13/14</a:t>
+              <a:t>5/14/14</a:t>
             </a:fld>
             <a:endParaRPr lang="en-US"/>
           </a:p>
@@ -1756,7 +1756,7 @@
           <a:p>
             <a:fld id="{68C2560D-EC28-3B41-86E8-18F1CE0113B4}" type="datetimeFigureOut">
               <a:rPr lang="en-US" smtClean="0"/>
-              <a:t>5/13/14</a:t>
+              <a:t>5/14/14</a:t>
             </a:fld>
             <a:endParaRPr lang="en-US"/>
           </a:p>
@@ -2178,7 +2178,7 @@
           <a:p>
             <a:fld id="{68C2560D-EC28-3B41-86E8-18F1CE0113B4}" type="datetimeFigureOut">
               <a:rPr lang="en-US" smtClean="0"/>
-              <a:t>5/13/14</a:t>
+              <a:t>5/14/14</a:t>
             </a:fld>
             <a:endParaRPr lang="en-US"/>
           </a:p>
@@ -2296,7 +2296,7 @@
           <a:p>
             <a:fld id="{68C2560D-EC28-3B41-86E8-18F1CE0113B4}" type="datetimeFigureOut">
               <a:rPr lang="en-US" smtClean="0"/>
-              <a:t>5/13/14</a:t>
+              <a:t>5/14/14</a:t>
             </a:fld>
             <a:endParaRPr lang="en-US"/>
           </a:p>
@@ -2391,7 +2391,7 @@
           <a:p>
             <a:fld id="{68C2560D-EC28-3B41-86E8-18F1CE0113B4}" type="datetimeFigureOut">
               <a:rPr lang="en-US" smtClean="0"/>
-              <a:t>5/13/14</a:t>
+              <a:t>5/14/14</a:t>
             </a:fld>
             <a:endParaRPr lang="en-US"/>
           </a:p>
@@ -2668,7 +2668,7 @@
           <a:p>
             <a:fld id="{68C2560D-EC28-3B41-86E8-18F1CE0113B4}" type="datetimeFigureOut">
               <a:rPr lang="en-US" smtClean="0"/>
-              <a:t>5/13/14</a:t>
+              <a:t>5/14/14</a:t>
             </a:fld>
             <a:endParaRPr lang="en-US"/>
           </a:p>
@@ -2928,7 +2928,7 @@
           <a:p>
             <a:fld id="{68C2560D-EC28-3B41-86E8-18F1CE0113B4}" type="datetimeFigureOut">
               <a:rPr lang="en-US" smtClean="0"/>
-              <a:t>5/13/14</a:t>
+              <a:t>5/14/14</a:t>
             </a:fld>
             <a:endParaRPr lang="en-US"/>
           </a:p>
@@ -3141,7 +3141,7 @@
           <a:p>
             <a:fld id="{68C2560D-EC28-3B41-86E8-18F1CE0113B4}" type="datetimeFigureOut">
               <a:rPr lang="en-US" smtClean="0"/>
-              <a:t>5/13/14</a:t>
+              <a:t>5/14/14</a:t>
             </a:fld>
             <a:endParaRPr lang="en-US"/>
           </a:p>
@@ -4029,8 +4029,23 @@
               <a:buChar char="§"/>
             </a:pPr>
             <a:r>
+              <a:rPr lang="en-US" dirty="0" smtClean="0"/>
+              <a:t>Challenges and Goals</a:t>
+            </a:r>
+            <a:endParaRPr lang="en-US" dirty="0" smtClean="0"/>
+          </a:p>
+          <a:p>
+            <a:pPr>
+              <a:buFont typeface="Wingdings" charset="2"/>
+              <a:buChar char="§"/>
+            </a:pPr>
+            <a:r>
               <a:rPr lang="en-US" dirty="0" err="1" smtClean="0"/>
               <a:t>btcTrackr</a:t>
+            </a:r>
+            <a:r>
+              <a:rPr lang="en-US" dirty="0" smtClean="0"/>
+              <a:t> System</a:t>
             </a:r>
             <a:endParaRPr lang="en-US" dirty="0" smtClean="0"/>
           </a:p>
@@ -4188,11 +4203,19 @@
           <a:p>
             <a:r>
               <a:rPr lang="en-US" dirty="0" smtClean="0"/>
-              <a:t>Fistful of </a:t>
+              <a:t>Motivation (Fistful </a:t>
+            </a:r>
+            <a:r>
+              <a:rPr lang="en-US" dirty="0" smtClean="0"/>
+              <a:t>of </a:t>
             </a:r>
             <a:r>
               <a:rPr lang="en-US" dirty="0" err="1" smtClean="0"/>
               <a:t>Bitcoins</a:t>
+            </a:r>
+            <a:r>
+              <a:rPr lang="en-US" dirty="0" smtClean="0"/>
+              <a:t>)</a:t>
             </a:r>
             <a:endParaRPr lang="en-US" dirty="0"/>
           </a:p>
@@ -4254,46 +4277,23 @@
             <a:pPr lvl="1"/>
             <a:r>
               <a:rPr lang="en-US" dirty="0" smtClean="0"/>
-              <a:t>Not in real-time</a:t>
-            </a:r>
-          </a:p>
-        </p:txBody>
-      </p:sp>
-      <p:sp>
-        <p:nvSpPr>
-          <p:cNvPr id="4" name="TextBox 3"/>
-          <p:cNvSpPr txBox="1"/>
-          <p:nvPr/>
-        </p:nvSpPr>
-        <p:spPr>
-          <a:xfrm>
-            <a:off x="7075934" y="601032"/>
-            <a:ext cx="1383435" cy="369332"/>
-          </a:xfrm>
-          <a:prstGeom prst="rect">
-            <a:avLst/>
-          </a:prstGeom>
-          <a:noFill/>
-        </p:spPr>
-        <p:txBody>
-          <a:bodyPr wrap="square" rtlCol="0">
-            <a:spAutoFit/>
-          </a:bodyPr>
-          <a:lstStyle/>
-          <a:p>
-            <a:r>
-              <a:rPr lang="en-US" dirty="0" smtClean="0">
-                <a:solidFill>
-                  <a:srgbClr val="FF0000"/>
-                </a:solidFill>
-              </a:rPr>
-              <a:t>MICHAEL</a:t>
-            </a:r>
-            <a:endParaRPr lang="en-US" dirty="0">
-              <a:solidFill>
-                <a:srgbClr val="FF0000"/>
-              </a:solidFill>
-            </a:endParaRPr>
+              <a:t>Not in real-</a:t>
+            </a:r>
+            <a:r>
+              <a:rPr lang="en-US" dirty="0" smtClean="0"/>
+              <a:t>time</a:t>
+            </a:r>
+          </a:p>
+          <a:p>
+            <a:r>
+              <a:rPr lang="en-US" dirty="0" err="1" smtClean="0"/>
+              <a:t>Znort</a:t>
+            </a:r>
+            <a:r>
+              <a:rPr lang="en-US" dirty="0" smtClean="0"/>
+              <a:t> Parser</a:t>
+            </a:r>
+            <a:endParaRPr lang="en-US" dirty="0" smtClean="0"/>
           </a:p>
         </p:txBody>
       </p:sp>
@@ -4319,7 +4319,7 @@
         </p:blipFill>
         <p:spPr>
           <a:xfrm>
-            <a:off x="2328088" y="4628927"/>
+            <a:off x="4173416" y="4453081"/>
             <a:ext cx="4747846" cy="2229073"/>
           </a:xfrm>
           <a:prstGeom prst="rect">
@@ -4381,7 +4381,7 @@
           <a:p>
             <a:r>
               <a:rPr lang="en-US" dirty="0" smtClean="0"/>
-              <a:t>Motivation</a:t>
+              <a:t>Goals / Challenges</a:t>
             </a:r>
             <a:endParaRPr lang="en-US" dirty="0"/>
           </a:p>
@@ -4400,7 +4400,7 @@
         <p:spPr>
           <a:xfrm>
             <a:off x="457200" y="1435223"/>
-            <a:ext cx="8229600" cy="4525963"/>
+            <a:ext cx="8229600" cy="5051546"/>
           </a:xfrm>
         </p:spPr>
         <p:txBody>
@@ -4410,72 +4410,79 @@
           <a:lstStyle/>
           <a:p>
             <a:r>
+              <a:rPr lang="en-US" dirty="0"/>
+              <a:t>Challenges</a:t>
+            </a:r>
+          </a:p>
+          <a:p>
+            <a:pPr lvl="1"/>
+            <a:r>
+              <a:rPr lang="en-US" dirty="0"/>
+              <a:t>Resource management</a:t>
+            </a:r>
+          </a:p>
+          <a:p>
+            <a:pPr lvl="1"/>
+            <a:r>
+              <a:rPr lang="en-US" dirty="0"/>
+              <a:t>Continually updating information</a:t>
+            </a:r>
+          </a:p>
+          <a:p>
+            <a:pPr lvl="1"/>
+            <a:r>
+              <a:rPr lang="en-US" dirty="0"/>
+              <a:t>Legacy block chain information </a:t>
+            </a:r>
+          </a:p>
+          <a:p>
+            <a:pPr lvl="1"/>
+            <a:r>
+              <a:rPr lang="en-US" dirty="0"/>
+              <a:t>Integration of systems</a:t>
+            </a:r>
+          </a:p>
+          <a:p>
+            <a:r>
               <a:rPr lang="en-US" dirty="0" smtClean="0"/>
-              <a:t>Issues </a:t>
-            </a:r>
-            <a:r>
-              <a:rPr lang="en-US" dirty="0" err="1" smtClean="0"/>
-              <a:t>Znort</a:t>
+              <a:t>System </a:t>
             </a:r>
             <a:r>
               <a:rPr lang="en-US" dirty="0" smtClean="0"/>
-              <a:t> Parser</a:t>
-            </a:r>
+              <a:t>Goals</a:t>
+            </a:r>
+            <a:endParaRPr lang="en-US" dirty="0"/>
           </a:p>
           <a:p>
             <a:pPr lvl="1"/>
             <a:r>
               <a:rPr lang="en-US" dirty="0" smtClean="0"/>
-              <a:t>Resource Requirement</a:t>
-            </a:r>
+              <a:t>Real-time </a:t>
+            </a:r>
+            <a:r>
+              <a:rPr lang="en-US" dirty="0"/>
+              <a:t>r</a:t>
+            </a:r>
+            <a:r>
+              <a:rPr lang="en-US" dirty="0" smtClean="0"/>
+              <a:t>esponses</a:t>
+            </a:r>
+            <a:endParaRPr lang="en-US" dirty="0" smtClean="0"/>
           </a:p>
           <a:p>
             <a:pPr lvl="1"/>
             <a:r>
               <a:rPr lang="en-US" dirty="0" smtClean="0"/>
-              <a:t>Time</a:t>
-            </a:r>
-            <a:endParaRPr lang="en-US" dirty="0"/>
+              <a:t>Accurate</a:t>
+            </a:r>
           </a:p>
           <a:p>
             <a:pPr lvl="1"/>
-            <a:endParaRPr lang="en-US" dirty="0"/>
-          </a:p>
-          <a:p>
             <a:r>
               <a:rPr lang="en-US" dirty="0" smtClean="0"/>
-              <a:t>System Goals</a:t>
-            </a:r>
-            <a:endParaRPr lang="en-US" dirty="0"/>
-          </a:p>
-          <a:p>
-            <a:pPr lvl="1"/>
-            <a:r>
-              <a:rPr lang="en-US" dirty="0" smtClean="0"/>
-              <a:t>Real-time implementation</a:t>
-            </a:r>
-          </a:p>
-          <a:p>
-            <a:pPr lvl="1"/>
-            <a:r>
-              <a:rPr lang="en-US" dirty="0" smtClean="0"/>
-              <a:t>Responsive user </a:t>
-            </a:r>
-            <a:r>
-              <a:rPr lang="en-US" dirty="0"/>
-              <a:t>i</a:t>
-            </a:r>
-            <a:r>
-              <a:rPr lang="en-US" dirty="0" smtClean="0"/>
-              <a:t>nterface</a:t>
-            </a:r>
-          </a:p>
-          <a:p>
-            <a:pPr lvl="1"/>
-            <a:r>
-              <a:rPr lang="en-US" dirty="0" smtClean="0"/>
-              <a:t>Setup for additional features</a:t>
-            </a:r>
+              <a:t>Expandable</a:t>
+            </a:r>
+            <a:endParaRPr lang="en-US" dirty="0" smtClean="0"/>
           </a:p>
         </p:txBody>
       </p:sp>
